--- a/talks/2022-data_visualization_and_accessibility.pptx
+++ b/talks/2022-data_visualization_and_accessibility.pptx
@@ -36005,7 +36005,7 @@
               </a:spcAft>
               <a:buNone/>
             </a:pPr>
-            <a:endParaRPr dirty="0"/>
+            <a:endParaRPr lang="en-US" dirty="0"/>
           </a:p>
         </p:txBody>
       </p:sp>
